--- a/modules/PPT/HypTestingErrs_PPT-Lecture.pptx
+++ b/modules/PPT/HypTestingErrs_PPT-Lecture.pptx
@@ -5,7 +5,7 @@
     <p:sldMasterId id="2147483648" r:id="rId1"/>
   </p:sldMasterIdLst>
   <p:notesMasterIdLst>
-    <p:notesMasterId r:id="rId9"/>
+    <p:notesMasterId r:id="rId10"/>
   </p:notesMasterIdLst>
   <p:sldIdLst>
     <p:sldId id="270" r:id="rId2"/>
@@ -14,7 +14,8 @@
     <p:sldId id="417" r:id="rId5"/>
     <p:sldId id="411" r:id="rId6"/>
     <p:sldId id="416" r:id="rId7"/>
-    <p:sldId id="414" r:id="rId8"/>
+    <p:sldId id="438" r:id="rId8"/>
+    <p:sldId id="414" r:id="rId9"/>
   </p:sldIdLst>
   <p:sldSz cx="9144000" cy="6858000" type="screen4x3"/>
   <p:notesSz cx="6858000" cy="9144000"/>
@@ -5285,37 +5286,17 @@
                 <a:latin typeface="Courier New" pitchFamily="49" charset="0"/>
                 <a:cs typeface="Courier New" pitchFamily="49" charset="0"/>
               </a:rPr>
-              <a:t>sqr</a:t>
-            </a:r>
-            <a:r>
-              <a:rPr lang="en-US" sz="2000" dirty="0" err="1" smtClean="0">
+              <a:t>sqrt</a:t>
+            </a:r>
+            <a:r>
+              <a:rPr lang="en-US" sz="2000" dirty="0" smtClean="0">
                 <a:solidFill>
                   <a:srgbClr val="0070C0"/>
                 </a:solidFill>
                 <a:latin typeface="Courier New" pitchFamily="49" charset="0"/>
                 <a:cs typeface="Courier New" pitchFamily="49" charset="0"/>
               </a:rPr>
-              <a:t>t</a:t>
-            </a:r>
-            <a:r>
-              <a:rPr lang="en-US" sz="2000" dirty="0" smtClean="0">
-                <a:solidFill>
-                  <a:srgbClr val="0070C0"/>
-                </a:solidFill>
-                <a:latin typeface="Courier New" pitchFamily="49" charset="0"/>
-                <a:cs typeface="Courier New" pitchFamily="49" charset="0"/>
-              </a:rPr>
-              <a:t>(100)</a:t>
-            </a:r>
-            <a:r>
-              <a:rPr lang="en-US" sz="2000" dirty="0" smtClean="0">
-                <a:solidFill>
-                  <a:srgbClr val="0070C0"/>
-                </a:solidFill>
-                <a:latin typeface="Courier New" pitchFamily="49" charset="0"/>
-                <a:cs typeface="Courier New" pitchFamily="49" charset="0"/>
-              </a:rPr>
-              <a:t>)</a:t>
+              <a:t>(100))</a:t>
             </a:r>
             <a:endParaRPr lang="en-US" sz="2000" dirty="0">
               <a:solidFill>
@@ -5389,13 +5370,6 @@
               </a:rPr>
               <a:t>(100))</a:t>
             </a:r>
-            <a:endParaRPr lang="en-US" sz="2000" dirty="0">
-              <a:solidFill>
-                <a:srgbClr val="0070C0"/>
-              </a:solidFill>
-              <a:latin typeface="Courier New" pitchFamily="49" charset="0"/>
-              <a:cs typeface="Courier New" pitchFamily="49" charset="0"/>
-            </a:endParaRPr>
           </a:p>
         </p:txBody>
       </p:sp>
@@ -5461,13 +5435,6 @@
               </a:rPr>
               <a:t>(100))</a:t>
             </a:r>
-            <a:endParaRPr lang="en-US" sz="2000" dirty="0">
-              <a:solidFill>
-                <a:srgbClr val="0070C0"/>
-              </a:solidFill>
-              <a:latin typeface="Courier New" pitchFamily="49" charset="0"/>
-              <a:cs typeface="Courier New" pitchFamily="49" charset="0"/>
-            </a:endParaRPr>
           </a:p>
         </p:txBody>
       </p:sp>
@@ -5533,13 +5500,6 @@
               </a:rPr>
               <a:t>(100))</a:t>
             </a:r>
-            <a:endParaRPr lang="en-US" sz="2000" dirty="0">
-              <a:solidFill>
-                <a:srgbClr val="0070C0"/>
-              </a:solidFill>
-              <a:latin typeface="Courier New" pitchFamily="49" charset="0"/>
-              <a:cs typeface="Courier New" pitchFamily="49" charset="0"/>
-            </a:endParaRPr>
           </a:p>
         </p:txBody>
       </p:sp>
@@ -20624,7 +20584,7 @@
           <a:graphicData uri="http://schemas.openxmlformats.org/presentationml/2006/ole">
             <mc:AlternateContent xmlns:mc="http://schemas.openxmlformats.org/markup-compatibility/2006">
               <mc:Choice xmlns:v="urn:schemas-microsoft-com:vml" Requires="v">
-                <p:oleObj spid="_x0000_s207913" name="Equation" r:id="rId3" imgW="126720" imgH="152280" progId="Equation.3">
+                <p:oleObj spid="_x0000_s207914" name="Equation" r:id="rId3" imgW="126720" imgH="152280" progId="Equation.3">
                   <p:embed/>
                 </p:oleObj>
               </mc:Choice>
@@ -20869,12 +20829,12 @@
           <a:graphicData uri="http://schemas.openxmlformats.org/presentationml/2006/ole">
             <mc:AlternateContent xmlns:mc="http://schemas.openxmlformats.org/markup-compatibility/2006">
               <mc:Choice xmlns:v="urn:schemas-microsoft-com:vml" Requires="v">
-                <p:oleObj spid="_x0000_s193599" name="Document" r:id="rId5" imgW="6367320" imgH="4113360" progId="Word.Document.8">
+                <p:oleObj spid="_x0000_s193600" name="Document" r:id="rId4" imgW="6367320" imgH="4113360" progId="Word.Document.8">
                   <p:embed/>
                 </p:oleObj>
               </mc:Choice>
               <mc:Fallback>
-                <p:oleObj name="Document" r:id="rId5" imgW="6367320" imgH="4113360" progId="Word.Document.8">
+                <p:oleObj name="Document" r:id="rId4" imgW="6367320" imgH="4113360" progId="Word.Document.8">
                   <p:embed/>
                   <p:pic>
                     <p:nvPicPr>
@@ -20885,7 +20845,7 @@
                       <p:nvPr/>
                     </p:nvPicPr>
                     <p:blipFill>
-                      <a:blip r:embed="rId6">
+                      <a:blip r:embed="rId5">
                         <a:extLst>
                           <a:ext uri="{28A0092B-C50C-407E-A947-70E740481C1C}">
                             <a14:useLocalDpi xmlns:a14="http://schemas.microsoft.com/office/drawing/2010/main" val="0"/>
@@ -22046,6 +22006,347 @@
 </file>
 
 <file path=ppt/slides/slide7.xml><?xml version="1.0" encoding="utf-8"?>
+<p:sld xmlns:a="http://schemas.openxmlformats.org/drawingml/2006/main" xmlns:r="http://schemas.openxmlformats.org/officeDocument/2006/relationships" xmlns:p="http://schemas.openxmlformats.org/presentationml/2006/main">
+  <p:cSld>
+    <p:spTree>
+      <p:nvGrpSpPr>
+        <p:cNvPr id="1" name=""/>
+        <p:cNvGrpSpPr/>
+        <p:nvPr/>
+      </p:nvGrpSpPr>
+      <p:grpSpPr>
+        <a:xfrm>
+          <a:off x="0" y="0"/>
+          <a:ext cx="0" cy="0"/>
+          <a:chOff x="0" y="0"/>
+          <a:chExt cx="0" cy="0"/>
+        </a:xfrm>
+      </p:grpSpPr>
+      <p:sp>
+        <p:nvSpPr>
+          <p:cNvPr id="2" name="Title 1"/>
+          <p:cNvSpPr>
+            <a:spLocks noGrp="1"/>
+          </p:cNvSpPr>
+          <p:nvPr>
+            <p:ph type="title"/>
+          </p:nvPr>
+        </p:nvSpPr>
+        <p:spPr>
+          <a:xfrm>
+            <a:off x="685800" y="76200"/>
+            <a:ext cx="7772400" cy="1143000"/>
+          </a:xfrm>
+        </p:spPr>
+        <p:txBody>
+          <a:bodyPr/>
+          <a:lstStyle/>
+          <a:p>
+            <a:r>
+              <a:rPr lang="en-US" dirty="0" smtClean="0"/>
+              <a:t>Example</a:t>
+            </a:r>
+            <a:endParaRPr lang="en-US" dirty="0"/>
+          </a:p>
+        </p:txBody>
+      </p:sp>
+      <p:sp>
+        <p:nvSpPr>
+          <p:cNvPr id="5" name="Content Placeholder 4"/>
+          <p:cNvSpPr>
+            <a:spLocks noGrp="1"/>
+          </p:cNvSpPr>
+          <p:nvPr>
+            <p:ph idx="1"/>
+          </p:nvPr>
+        </p:nvSpPr>
+        <p:spPr>
+          <a:xfrm>
+            <a:off x="115019" y="1066800"/>
+            <a:ext cx="8915400" cy="4953000"/>
+          </a:xfrm>
+        </p:spPr>
+        <p:txBody>
+          <a:bodyPr/>
+          <a:lstStyle/>
+          <a:p>
+            <a:pPr marL="0" indent="0">
+              <a:buNone/>
+            </a:pPr>
+            <a:r>
+              <a:rPr lang="en-US" dirty="0" smtClean="0"/>
+              <a:t>The mean clutch size required for a specific population of turtles to survive is 6 eggs. Researchers will examine the mean number of eggs in a sample of 50 clutches to determine if there is evidence that the population is in danger of not surviving.</a:t>
+            </a:r>
+          </a:p>
+          <a:p>
+            <a:pPr marL="0" indent="0">
+              <a:buNone/>
+            </a:pPr>
+            <a:endParaRPr lang="en-US" dirty="0" smtClean="0"/>
+          </a:p>
+          <a:p>
+            <a:r>
+              <a:rPr lang="en-US" dirty="0" smtClean="0"/>
+              <a:t>Identify the statistical hypotheses.</a:t>
+            </a:r>
+          </a:p>
+          <a:p>
+            <a:r>
+              <a:rPr lang="en-US" dirty="0" smtClean="0"/>
+              <a:t>Identify Type I and II errors within this context.</a:t>
+            </a:r>
+          </a:p>
+          <a:p>
+            <a:r>
+              <a:rPr lang="en-US" dirty="0" smtClean="0"/>
+              <a:t>Which error is most egregious?</a:t>
+            </a:r>
+            <a:endParaRPr lang="en-US" dirty="0"/>
+          </a:p>
+        </p:txBody>
+      </p:sp>
+      <p:sp>
+        <p:nvSpPr>
+          <p:cNvPr id="3" name="Footer Placeholder 2"/>
+          <p:cNvSpPr>
+            <a:spLocks noGrp="1"/>
+          </p:cNvSpPr>
+          <p:nvPr>
+            <p:ph type="ftr" sz="quarter" idx="11"/>
+          </p:nvPr>
+        </p:nvSpPr>
+        <p:spPr/>
+        <p:txBody>
+          <a:bodyPr/>
+          <a:lstStyle/>
+          <a:p>
+            <a:r>
+              <a:rPr lang="en-US" smtClean="0"/>
+              <a:t>Inference Concepts</a:t>
+            </a:r>
+            <a:endParaRPr lang="en-US"/>
+          </a:p>
+        </p:txBody>
+      </p:sp>
+      <p:sp>
+        <p:nvSpPr>
+          <p:cNvPr id="4" name="Slide Number Placeholder 3"/>
+          <p:cNvSpPr>
+            <a:spLocks noGrp="1"/>
+          </p:cNvSpPr>
+          <p:nvPr>
+            <p:ph type="sldNum" sz="quarter" idx="12"/>
+          </p:nvPr>
+        </p:nvSpPr>
+        <p:spPr/>
+        <p:txBody>
+          <a:bodyPr/>
+          <a:lstStyle/>
+          <a:p>
+            <a:r>
+              <a:rPr lang="en-US" smtClean="0"/>
+              <a:t>Slide #</a:t>
+            </a:r>
+            <a:fld id="{8E88EA96-56F1-4646-AB9F-F062DEBC4F66}" type="slidenum">
+              <a:rPr lang="en-US" smtClean="0"/>
+              <a:pPr/>
+              <a:t>7</a:t>
+            </a:fld>
+            <a:endParaRPr lang="en-US"/>
+          </a:p>
+        </p:txBody>
+      </p:sp>
+    </p:spTree>
+    <p:extLst>
+      <p:ext uri="{BB962C8B-B14F-4D97-AF65-F5344CB8AC3E}">
+        <p14:creationId xmlns:p14="http://schemas.microsoft.com/office/powerpoint/2010/main" val="865601672"/>
+      </p:ext>
+    </p:extLst>
+  </p:cSld>
+  <p:clrMapOvr>
+    <a:masterClrMapping/>
+  </p:clrMapOvr>
+  <p:timing>
+    <p:tnLst>
+      <p:par>
+        <p:cTn id="1" dur="indefinite" restart="never" nodeType="tmRoot">
+          <p:childTnLst>
+            <p:seq concurrent="1" nextAc="seek">
+              <p:cTn id="2" dur="indefinite" nodeType="mainSeq">
+                <p:childTnLst>
+                  <p:par>
+                    <p:cTn id="3" fill="hold">
+                      <p:stCondLst>
+                        <p:cond delay="indefinite"/>
+                      </p:stCondLst>
+                      <p:childTnLst>
+                        <p:par>
+                          <p:cTn id="4" fill="hold">
+                            <p:stCondLst>
+                              <p:cond delay="0"/>
+                            </p:stCondLst>
+                            <p:childTnLst>
+                              <p:par>
+                                <p:cTn id="5" presetID="1" presetClass="entr" presetSubtype="0" fill="hold" nodeType="clickEffect">
+                                  <p:stCondLst>
+                                    <p:cond delay="0"/>
+                                  </p:stCondLst>
+                                  <p:childTnLst>
+                                    <p:set>
+                                      <p:cBhvr>
+                                        <p:cTn id="6" dur="1" fill="hold">
+                                          <p:stCondLst>
+                                            <p:cond delay="0"/>
+                                          </p:stCondLst>
+                                        </p:cTn>
+                                        <p:tgtEl>
+                                          <p:spTgt spid="5">
+                                            <p:txEl>
+                                              <p:pRg st="2" end="2"/>
+                                            </p:txEl>
+                                          </p:spTgt>
+                                        </p:tgtEl>
+                                        <p:attrNameLst>
+                                          <p:attrName>style.visibility</p:attrName>
+                                        </p:attrNameLst>
+                                      </p:cBhvr>
+                                      <p:to>
+                                        <p:strVal val="visible"/>
+                                      </p:to>
+                                    </p:set>
+                                  </p:childTnLst>
+                                </p:cTn>
+                              </p:par>
+                            </p:childTnLst>
+                          </p:cTn>
+                        </p:par>
+                      </p:childTnLst>
+                    </p:cTn>
+                  </p:par>
+                  <p:par>
+                    <p:cTn id="7" fill="hold">
+                      <p:stCondLst>
+                        <p:cond delay="indefinite"/>
+                      </p:stCondLst>
+                      <p:childTnLst>
+                        <p:par>
+                          <p:cTn id="8" fill="hold">
+                            <p:stCondLst>
+                              <p:cond delay="0"/>
+                            </p:stCondLst>
+                            <p:childTnLst>
+                              <p:par>
+                                <p:cTn id="9" presetID="1" presetClass="entr" presetSubtype="0" fill="hold" nodeType="clickEffect">
+                                  <p:stCondLst>
+                                    <p:cond delay="0"/>
+                                  </p:stCondLst>
+                                  <p:childTnLst>
+                                    <p:set>
+                                      <p:cBhvr>
+                                        <p:cTn id="10" dur="1" fill="hold">
+                                          <p:stCondLst>
+                                            <p:cond delay="0"/>
+                                          </p:stCondLst>
+                                        </p:cTn>
+                                        <p:tgtEl>
+                                          <p:spTgt spid="5">
+                                            <p:txEl>
+                                              <p:pRg st="3" end="3"/>
+                                            </p:txEl>
+                                          </p:spTgt>
+                                        </p:tgtEl>
+                                        <p:attrNameLst>
+                                          <p:attrName>style.visibility</p:attrName>
+                                        </p:attrNameLst>
+                                      </p:cBhvr>
+                                      <p:to>
+                                        <p:strVal val="visible"/>
+                                      </p:to>
+                                    </p:set>
+                                  </p:childTnLst>
+                                </p:cTn>
+                              </p:par>
+                            </p:childTnLst>
+                          </p:cTn>
+                        </p:par>
+                      </p:childTnLst>
+                    </p:cTn>
+                  </p:par>
+                  <p:par>
+                    <p:cTn id="11" fill="hold">
+                      <p:stCondLst>
+                        <p:cond delay="indefinite"/>
+                      </p:stCondLst>
+                      <p:childTnLst>
+                        <p:par>
+                          <p:cTn id="12" fill="hold">
+                            <p:stCondLst>
+                              <p:cond delay="0"/>
+                            </p:stCondLst>
+                            <p:childTnLst>
+                              <p:par>
+                                <p:cTn id="13" presetID="1" presetClass="entr" presetSubtype="0" fill="hold" nodeType="clickEffect">
+                                  <p:stCondLst>
+                                    <p:cond delay="0"/>
+                                  </p:stCondLst>
+                                  <p:childTnLst>
+                                    <p:set>
+                                      <p:cBhvr>
+                                        <p:cTn id="14" dur="1" fill="hold">
+                                          <p:stCondLst>
+                                            <p:cond delay="0"/>
+                                          </p:stCondLst>
+                                        </p:cTn>
+                                        <p:tgtEl>
+                                          <p:spTgt spid="5">
+                                            <p:txEl>
+                                              <p:pRg st="4" end="4"/>
+                                            </p:txEl>
+                                          </p:spTgt>
+                                        </p:tgtEl>
+                                        <p:attrNameLst>
+                                          <p:attrName>style.visibility</p:attrName>
+                                        </p:attrNameLst>
+                                      </p:cBhvr>
+                                      <p:to>
+                                        <p:strVal val="visible"/>
+                                      </p:to>
+                                    </p:set>
+                                  </p:childTnLst>
+                                </p:cTn>
+                              </p:par>
+                            </p:childTnLst>
+                          </p:cTn>
+                        </p:par>
+                      </p:childTnLst>
+                    </p:cTn>
+                  </p:par>
+                </p:childTnLst>
+              </p:cTn>
+              <p:prevCondLst>
+                <p:cond evt="onPrev" delay="0">
+                  <p:tgtEl>
+                    <p:sldTgt/>
+                  </p:tgtEl>
+                </p:cond>
+              </p:prevCondLst>
+              <p:nextCondLst>
+                <p:cond evt="onNext" delay="0">
+                  <p:tgtEl>
+                    <p:sldTgt/>
+                  </p:tgtEl>
+                </p:cond>
+              </p:nextCondLst>
+            </p:seq>
+          </p:childTnLst>
+        </p:cTn>
+      </p:par>
+    </p:tnLst>
+  </p:timing>
+</p:sld>
+</file>
+
+<file path=ppt/slides/slide8.xml><?xml version="1.0" encoding="utf-8"?>
 <p:sld xmlns:a="http://schemas.openxmlformats.org/drawingml/2006/main" xmlns:r="http://schemas.openxmlformats.org/officeDocument/2006/relationships" xmlns:p="http://schemas.openxmlformats.org/presentationml/2006/main" showMasterPhAnim="0" show="0">
   <p:cSld>
     <p:spTree>
@@ -22107,7 +22408,7 @@
             <a:fld id="{EA5579DA-A779-4205-98C8-CF6DA57AC1D4}" type="slidenum">
               <a:rPr lang="en-US"/>
               <a:pPr/>
-              <a:t>7</a:t>
+              <a:t>8</a:t>
             </a:fld>
             <a:endParaRPr lang="en-US"/>
           </a:p>
@@ -22264,11 +22565,11 @@
   <p:clrMapOvr>
     <a:masterClrMapping/>
   </p:clrMapOvr>
-  <mc:AlternateContent xmlns:mc="http://schemas.openxmlformats.org/markup-compatibility/2006">
-    <mc:Choice xmlns:p14="http://schemas.microsoft.com/office/powerpoint/2010/main" Requires="p14">
+  <mc:AlternateContent xmlns:mc="http://schemas.openxmlformats.org/markup-compatibility/2006" xmlns:p14="http://schemas.microsoft.com/office/powerpoint/2010/main">
+    <mc:Choice Requires="p14">
       <p:transition spd="slow" p14:dur="2000"/>
     </mc:Choice>
-    <mc:Fallback>
+    <mc:Fallback xmlns="">
       <p:transition spd="slow"/>
     </mc:Fallback>
   </mc:AlternateContent>
